--- a/期中檢查.pptx
+++ b/期中檢查.pptx
@@ -6813,7 +6813,7 @@
           <a:p>
             <a:fld id="{F5177BB0-4A7F-41BF-AB95-BB3B35C524C8}" type="datetimeFigureOut">
               <a:rPr lang="zh-TW" altLang="en-US" smtClean="0"/>
-              <a:t>2018/5/7</a:t>
+              <a:t>2018/6/23</a:t>
             </a:fld>
             <a:endParaRPr lang="zh-TW" altLang="en-US"/>
           </a:p>
@@ -7420,7 +7420,7 @@
           <a:p>
             <a:fld id="{D7572321-384A-2C4C-A72D-3B1881A35287}" type="datetimeFigureOut">
               <a:rPr kumimoji="1" lang="zh-TW" altLang="en-US" smtClean="0"/>
-              <a:t>2018/5/7</a:t>
+              <a:t>2018/6/23</a:t>
             </a:fld>
             <a:endParaRPr kumimoji="1" lang="zh-TW" altLang="en-US"/>
           </a:p>
@@ -7732,7 +7732,7 @@
           <a:p>
             <a:fld id="{D7572321-384A-2C4C-A72D-3B1881A35287}" type="datetimeFigureOut">
               <a:rPr kumimoji="1" lang="zh-TW" altLang="en-US" smtClean="0"/>
-              <a:t>2018/5/7</a:t>
+              <a:t>2018/6/23</a:t>
             </a:fld>
             <a:endParaRPr kumimoji="1" lang="zh-TW" altLang="en-US"/>
           </a:p>
@@ -7954,7 +7954,7 @@
           <a:p>
             <a:fld id="{D7572321-384A-2C4C-A72D-3B1881A35287}" type="datetimeFigureOut">
               <a:rPr kumimoji="1" lang="zh-TW" altLang="en-US" smtClean="0"/>
-              <a:t>2018/5/7</a:t>
+              <a:t>2018/6/23</a:t>
             </a:fld>
             <a:endParaRPr kumimoji="1" lang="zh-TW" altLang="en-US"/>
           </a:p>
@@ -8245,7 +8245,7 @@
           <a:p>
             <a:fld id="{D7572321-384A-2C4C-A72D-3B1881A35287}" type="datetimeFigureOut">
               <a:rPr kumimoji="1" lang="zh-TW" altLang="en-US" smtClean="0"/>
-              <a:t>2018/5/7</a:t>
+              <a:t>2018/6/23</a:t>
             </a:fld>
             <a:endParaRPr kumimoji="1" lang="zh-TW" altLang="en-US"/>
           </a:p>
@@ -8699,7 +8699,7 @@
           <a:p>
             <a:fld id="{D7572321-384A-2C4C-A72D-3B1881A35287}" type="datetimeFigureOut">
               <a:rPr kumimoji="1" lang="zh-TW" altLang="en-US" smtClean="0"/>
-              <a:t>2018/5/7</a:t>
+              <a:t>2018/6/23</a:t>
             </a:fld>
             <a:endParaRPr kumimoji="1" lang="zh-TW" altLang="en-US"/>
           </a:p>
@@ -9275,7 +9275,7 @@
           <a:p>
             <a:fld id="{D7572321-384A-2C4C-A72D-3B1881A35287}" type="datetimeFigureOut">
               <a:rPr kumimoji="1" lang="zh-TW" altLang="en-US" smtClean="0"/>
-              <a:t>2018/5/7</a:t>
+              <a:t>2018/6/23</a:t>
             </a:fld>
             <a:endParaRPr kumimoji="1" lang="zh-TW" altLang="en-US"/>
           </a:p>
@@ -10127,7 +10127,7 @@
           <a:p>
             <a:fld id="{D7572321-384A-2C4C-A72D-3B1881A35287}" type="datetimeFigureOut">
               <a:rPr kumimoji="1" lang="zh-TW" altLang="en-US" smtClean="0"/>
-              <a:t>2018/5/7</a:t>
+              <a:t>2018/6/23</a:t>
             </a:fld>
             <a:endParaRPr kumimoji="1" lang="zh-TW" altLang="en-US"/>
           </a:p>
@@ -10332,7 +10332,7 @@
           <a:p>
             <a:fld id="{D7572321-384A-2C4C-A72D-3B1881A35287}" type="datetimeFigureOut">
               <a:rPr kumimoji="1" lang="zh-TW" altLang="en-US" smtClean="0"/>
-              <a:t>2018/5/7</a:t>
+              <a:t>2018/6/23</a:t>
             </a:fld>
             <a:endParaRPr kumimoji="1" lang="zh-TW" altLang="en-US"/>
           </a:p>
@@ -10546,7 +10546,7 @@
           <a:p>
             <a:fld id="{D7572321-384A-2C4C-A72D-3B1881A35287}" type="datetimeFigureOut">
               <a:rPr kumimoji="1" lang="zh-TW" altLang="en-US" smtClean="0"/>
-              <a:t>2018/5/7</a:t>
+              <a:t>2018/6/23</a:t>
             </a:fld>
             <a:endParaRPr kumimoji="1" lang="zh-TW" altLang="en-US"/>
           </a:p>
@@ -10726,7 +10726,7 @@
           <a:p>
             <a:fld id="{D7572321-384A-2C4C-A72D-3B1881A35287}" type="datetimeFigureOut">
               <a:rPr kumimoji="1" lang="zh-TW" altLang="en-US" smtClean="0"/>
-              <a:t>2018/5/7</a:t>
+              <a:t>2018/6/23</a:t>
             </a:fld>
             <a:endParaRPr kumimoji="1" lang="zh-TW" altLang="en-US"/>
           </a:p>
@@ -10931,7 +10931,7 @@
           <a:p>
             <a:fld id="{D7572321-384A-2C4C-A72D-3B1881A35287}" type="datetimeFigureOut">
               <a:rPr kumimoji="1" lang="zh-TW" altLang="en-US" smtClean="0"/>
-              <a:t>2018/5/7</a:t>
+              <a:t>2018/6/23</a:t>
             </a:fld>
             <a:endParaRPr kumimoji="1" lang="zh-TW" altLang="en-US"/>
           </a:p>
@@ -11211,7 +11211,7 @@
           <a:p>
             <a:fld id="{D7572321-384A-2C4C-A72D-3B1881A35287}" type="datetimeFigureOut">
               <a:rPr kumimoji="1" lang="zh-TW" altLang="en-US" smtClean="0"/>
-              <a:t>2018/5/7</a:t>
+              <a:t>2018/6/23</a:t>
             </a:fld>
             <a:endParaRPr kumimoji="1" lang="zh-TW" altLang="en-US"/>
           </a:p>
@@ -11478,7 +11478,7 @@
           <a:p>
             <a:fld id="{D7572321-384A-2C4C-A72D-3B1881A35287}" type="datetimeFigureOut">
               <a:rPr kumimoji="1" lang="zh-TW" altLang="en-US" smtClean="0"/>
-              <a:t>2018/5/7</a:t>
+              <a:t>2018/6/23</a:t>
             </a:fld>
             <a:endParaRPr kumimoji="1" lang="zh-TW" altLang="en-US"/>
           </a:p>
@@ -11893,7 +11893,7 @@
           <a:p>
             <a:fld id="{D7572321-384A-2C4C-A72D-3B1881A35287}" type="datetimeFigureOut">
               <a:rPr kumimoji="1" lang="zh-TW" altLang="en-US" smtClean="0"/>
-              <a:t>2018/5/7</a:t>
+              <a:t>2018/6/23</a:t>
             </a:fld>
             <a:endParaRPr kumimoji="1" lang="zh-TW" altLang="en-US"/>
           </a:p>
@@ -12041,7 +12041,7 @@
           <a:p>
             <a:fld id="{D7572321-384A-2C4C-A72D-3B1881A35287}" type="datetimeFigureOut">
               <a:rPr kumimoji="1" lang="zh-TW" altLang="en-US" smtClean="0"/>
-              <a:t>2018/5/7</a:t>
+              <a:t>2018/6/23</a:t>
             </a:fld>
             <a:endParaRPr kumimoji="1" lang="zh-TW" altLang="en-US"/>
           </a:p>
@@ -12166,7 +12166,7 @@
           <a:p>
             <a:fld id="{D7572321-384A-2C4C-A72D-3B1881A35287}" type="datetimeFigureOut">
               <a:rPr kumimoji="1" lang="zh-TW" altLang="en-US" smtClean="0"/>
-              <a:t>2018/5/7</a:t>
+              <a:t>2018/6/23</a:t>
             </a:fld>
             <a:endParaRPr kumimoji="1" lang="zh-TW" altLang="en-US"/>
           </a:p>
@@ -12445,7 +12445,7 @@
           <a:p>
             <a:fld id="{D7572321-384A-2C4C-A72D-3B1881A35287}" type="datetimeFigureOut">
               <a:rPr kumimoji="1" lang="zh-TW" altLang="en-US" smtClean="0"/>
-              <a:t>2018/5/7</a:t>
+              <a:t>2018/6/23</a:t>
             </a:fld>
             <a:endParaRPr kumimoji="1" lang="zh-TW" altLang="en-US"/>
           </a:p>
@@ -12757,7 +12757,7 @@
           <a:p>
             <a:fld id="{D7572321-384A-2C4C-A72D-3B1881A35287}" type="datetimeFigureOut">
               <a:rPr kumimoji="1" lang="zh-TW" altLang="en-US" smtClean="0"/>
-              <a:t>2018/5/7</a:t>
+              <a:t>2018/6/23</a:t>
             </a:fld>
             <a:endParaRPr kumimoji="1" lang="zh-TW" altLang="en-US"/>
           </a:p>
@@ -13010,7 +13010,7 @@
           <a:p>
             <a:fld id="{D7572321-384A-2C4C-A72D-3B1881A35287}" type="datetimeFigureOut">
               <a:rPr kumimoji="1" lang="zh-TW" altLang="en-US" smtClean="0"/>
-              <a:t>2018/5/7</a:t>
+              <a:t>2018/6/23</a:t>
             </a:fld>
             <a:endParaRPr kumimoji="1" lang="zh-TW" altLang="en-US"/>
           </a:p>
@@ -13895,7 +13895,6 @@
               <a:rPr lang="zh-TW" altLang="en-US" sz="2400" dirty="0"/>
               <a:t>導</a:t>
             </a:r>
-            <a:endParaRPr lang="zh-TW" altLang="en-US" sz="2400" dirty="0"/>
           </a:p>
         </p:txBody>
       </p:sp>
@@ -15290,8 +15289,8 @@
           </a:p>
         </p:txBody>
       </p:sp>
-      <mc:AlternateContent xmlns:mc="http://schemas.openxmlformats.org/markup-compatibility/2006">
-        <mc:Choice xmlns:a14="http://schemas.microsoft.com/office/drawing/2010/main" Requires="a14">
+      <mc:AlternateContent xmlns:mc="http://schemas.openxmlformats.org/markup-compatibility/2006" xmlns:a14="http://schemas.microsoft.com/office/drawing/2010/main">
+        <mc:Choice Requires="a14">
           <p:sp>
             <p:nvSpPr>
               <p:cNvPr id="3" name="內容版面配置區 2"/>
@@ -16003,7 +16002,7 @@
             </p:txBody>
           </p:sp>
         </mc:Choice>
-        <mc:Fallback>
+        <mc:Fallback xmlns="">
           <p:sp>
             <p:nvSpPr>
               <p:cNvPr id="3" name="內容版面配置區 2"/>
@@ -16163,11 +16162,7 @@
           <a:p>
             <a:r>
               <a:rPr kumimoji="1" lang="zh-TW" altLang="en-US" sz="2400" dirty="0" smtClean="0"/>
-              <a:t>進度稍微落後，未來</a:t>
-            </a:r>
-            <a:r>
-              <a:rPr kumimoji="1" lang="zh-TW" altLang="en-US" sz="2400" dirty="0" smtClean="0"/>
-              <a:t>增加小組討</a:t>
+              <a:t>進度稍微落後，未來增加小組討</a:t>
             </a:r>
             <a:r>
               <a:rPr kumimoji="1" lang="zh-TW" altLang="en-US" sz="2400" dirty="0"/>
@@ -17130,8 +17125,15 @@
           <a:p>
             <a:r>
               <a:rPr lang="zh-TW" altLang="en-US" sz="2400" dirty="0" smtClean="0"/>
-              <a:t>改良查詢功能：在增加搜尋條件的情況下仍可符合使用者需求</a:t>
-            </a:r>
+              <a:t>改良查詢功能：在增加搜尋條件的情況下仍可符合使用者</a:t>
+            </a:r>
+            <a:r>
+              <a:rPr lang="zh-TW" altLang="en-US" sz="2400" dirty="0" smtClean="0"/>
+              <a:t>需求</a:t>
+            </a:r>
+            <a:endParaRPr lang="en-US" altLang="zh-TW" sz="2400" smtClean="0"/>
+          </a:p>
+          <a:p>
             <a:endParaRPr lang="en-US" altLang="zh-TW" sz="2400" dirty="0" smtClean="0"/>
           </a:p>
         </p:txBody>
